--- a/Jogo_Memoria_Pseudo/Jogo da Memoria Mario Bros.pptx
+++ b/Jogo_Memoria_Pseudo/Jogo da Memoria Mario Bros.pptx
@@ -1868,7 +1868,28 @@
                 <a:ea typeface="Quicksand" pitchFamily="34" charset="-122"/>
                 <a:cs typeface="Quicksand" pitchFamily="34" charset="-120"/>
               </a:rPr>
-              <a:t>Jogo da Memória Mario Bros</a:t>
+              <a:t>Jogo da </a:t>
+            </a:r>
+            <a:r>
+              <a:rPr lang="en-US" sz="9000" b="1" dirty="0">
+                <a:solidFill>
+                  <a:srgbClr val="FFEAAB"/>
+                </a:solidFill>
+                <a:latin typeface="Quicksand" pitchFamily="34" charset="0"/>
+                <a:ea typeface="Quicksand" pitchFamily="34" charset="-122"/>
+              </a:rPr>
+              <a:t>Memória</a:t>
+            </a:r>
+            <a:r>
+              <a:rPr lang="en-US" sz="9000" b="1" dirty="0">
+                <a:solidFill>
+                  <a:srgbClr val="FFEAAB"/>
+                </a:solidFill>
+                <a:latin typeface="Quicksand" pitchFamily="34" charset="0"/>
+                <a:ea typeface="Quicksand" pitchFamily="34" charset="-122"/>
+                <a:cs typeface="Quicksand" pitchFamily="34" charset="-120"/>
+              </a:rPr>
+              <a:t> Mario Bros</a:t>
             </a:r>
             <a:endParaRPr lang="en-US" sz="9000" dirty="0"/>
           </a:p>
@@ -1962,6 +1983,154 @@
             <a:prstDash val="solid"/>
           </a:ln>
         </p:spPr>
+      </p:sp>
+      <p:sp>
+        <p:nvSpPr>
+          <p:cNvPr id="8" name="Text 1">
+            <a:extLst>
+              <a:ext uri="{FF2B5EF4-FFF2-40B4-BE49-F238E27FC236}">
+                <a16:creationId xmlns:a16="http://schemas.microsoft.com/office/drawing/2014/main" id="{C9DBD9FC-420E-41C6-B38D-BF7D5A1D17B3}"/>
+              </a:ext>
+            </a:extLst>
+          </p:cNvPr>
+          <p:cNvSpPr/>
+          <p:nvPr/>
+        </p:nvSpPr>
+        <p:spPr>
+          <a:xfrm>
+            <a:off x="12330700" y="3348677"/>
+            <a:ext cx="4717224" cy="4349559"/>
+          </a:xfrm>
+          <a:prstGeom prst="rect">
+            <a:avLst/>
+          </a:prstGeom>
+          <a:noFill/>
+          <a:ln/>
+        </p:spPr>
+        <p:txBody>
+          <a:bodyPr wrap="square" rtlCol="0" anchor="ctr"/>
+          <a:lstStyle/>
+          <a:p>
+            <a:r>
+              <a:rPr lang="en-US" sz="4000" b="1" dirty="0" err="1">
+                <a:solidFill>
+                  <a:srgbClr val="FFEAAB"/>
+                </a:solidFill>
+                <a:latin typeface="Quicksand" pitchFamily="34" charset="0"/>
+                <a:ea typeface="Quicksand" pitchFamily="34" charset="-122"/>
+              </a:rPr>
+              <a:t>Integrantes</a:t>
+            </a:r>
+            <a:r>
+              <a:rPr lang="en-US" sz="2850" dirty="0">
+                <a:solidFill>
+                  <a:srgbClr val="FFFFFF"/>
+                </a:solidFill>
+                <a:latin typeface="Quicksand" pitchFamily="34" charset="0"/>
+                <a:ea typeface="Quicksand" pitchFamily="34" charset="-122"/>
+              </a:rPr>
+              <a:t>: </a:t>
+            </a:r>
+          </a:p>
+          <a:p>
+            <a:br>
+              <a:rPr lang="en-US" sz="2850" dirty="0">
+                <a:solidFill>
+                  <a:srgbClr val="FFFFFF"/>
+                </a:solidFill>
+                <a:latin typeface="Quicksand" pitchFamily="34" charset="0"/>
+                <a:ea typeface="Quicksand" pitchFamily="34" charset="-122"/>
+              </a:rPr>
+            </a:br>
+            <a:r>
+              <a:rPr lang="pt-BR" sz="2400" dirty="0"/>
+              <a:t>ABBOUD MUCY ABBOUD</a:t>
+            </a:r>
+            <a:br>
+              <a:rPr lang="en-US" sz="2850" dirty="0">
+                <a:solidFill>
+                  <a:srgbClr val="FFFFFF"/>
+                </a:solidFill>
+                <a:latin typeface="Quicksand" pitchFamily="34" charset="0"/>
+                <a:ea typeface="Quicksand" pitchFamily="34" charset="-122"/>
+              </a:rPr>
+            </a:br>
+            <a:r>
+              <a:rPr lang="pt-BR" sz="2400" dirty="0"/>
+              <a:t>DANIELE BARBOSA DE MACEDO</a:t>
+            </a:r>
+          </a:p>
+          <a:p>
+            <a:r>
+              <a:rPr lang="pt-BR" sz="2400" dirty="0"/>
+              <a:t>GABRIEL DE JESUS EVANGELISTA</a:t>
+            </a:r>
+            <a:br>
+              <a:rPr lang="en-US" sz="2850" dirty="0">
+                <a:solidFill>
+                  <a:srgbClr val="FFFFFF"/>
+                </a:solidFill>
+                <a:latin typeface="Quicksand" pitchFamily="34" charset="0"/>
+                <a:ea typeface="Quicksand" pitchFamily="34" charset="-122"/>
+              </a:rPr>
+            </a:br>
+            <a:r>
+              <a:rPr lang="pt-BR" sz="2400" dirty="0"/>
+              <a:t>GIANCARLO LUZ RODRIGUES</a:t>
+            </a:r>
+            <a:br>
+              <a:rPr lang="en-US" sz="2850" dirty="0">
+                <a:solidFill>
+                  <a:srgbClr val="FFFFFF"/>
+                </a:solidFill>
+                <a:latin typeface="Quicksand" pitchFamily="34" charset="0"/>
+                <a:ea typeface="Quicksand" pitchFamily="34" charset="-122"/>
+              </a:rPr>
+            </a:br>
+            <a:r>
+              <a:rPr lang="pt-BR" sz="2400" dirty="0"/>
+              <a:t>JOSIAS ALVES DE FREITAS LIMA</a:t>
+            </a:r>
+          </a:p>
+          <a:p>
+            <a:r>
+              <a:rPr lang="pt-BR" sz="2400" dirty="0"/>
+              <a:t>LEANDRO SOUSA DE JESUS</a:t>
+            </a:r>
+            <a:br>
+              <a:rPr lang="en-US" sz="2850" dirty="0">
+                <a:solidFill>
+                  <a:srgbClr val="FFFFFF"/>
+                </a:solidFill>
+                <a:latin typeface="Quicksand" pitchFamily="34" charset="0"/>
+                <a:ea typeface="Quicksand" pitchFamily="34" charset="-122"/>
+              </a:rPr>
+            </a:br>
+            <a:r>
+              <a:rPr lang="pt-BR" sz="2400" dirty="0"/>
+              <a:t>PAULO RIBEIRO DE AGUIAR</a:t>
+            </a:r>
+            <a:br>
+              <a:rPr lang="en-US" sz="2850" dirty="0">
+                <a:solidFill>
+                  <a:srgbClr val="FFFFFF"/>
+                </a:solidFill>
+                <a:latin typeface="Quicksand" pitchFamily="34" charset="0"/>
+                <a:ea typeface="Quicksand" pitchFamily="34" charset="-122"/>
+              </a:rPr>
+            </a:br>
+            <a:br>
+              <a:rPr lang="en-US" sz="2850" dirty="0">
+                <a:solidFill>
+                  <a:srgbClr val="FFFFFF"/>
+                </a:solidFill>
+                <a:latin typeface="Quicksand" pitchFamily="34" charset="0"/>
+                <a:ea typeface="Quicksand" pitchFamily="34" charset="-122"/>
+              </a:rPr>
+            </a:br>
+            <a:endParaRPr lang="en-US" sz="2850" dirty="0"/>
+          </a:p>
+        </p:txBody>
       </p:sp>
     </p:spTree>
   </p:cSld>
@@ -2521,7 +2690,7 @@
               <a:buNone/>
             </a:pPr>
             <a:r>
-              <a:rPr lang="en-US" sz="3000" dirty="0" smtClean="0">
+              <a:rPr lang="en-US" sz="3000" dirty="0">
                 <a:solidFill>
                   <a:srgbClr val="FFFFFF"/>
                 </a:solidFill>
@@ -2532,7 +2701,7 @@
               <a:t>• </a:t>
             </a:r>
             <a:r>
-              <a:rPr lang="en-US" sz="3000" dirty="0" err="1" smtClean="0">
+              <a:rPr lang="en-US" sz="3000" dirty="0" err="1">
                 <a:solidFill>
                   <a:srgbClr val="FFFFFF"/>
                 </a:solidFill>
@@ -2543,17 +2712,6 @@
               <a:t>Distribui</a:t>
             </a:r>
             <a:r>
-              <a:rPr lang="en-US" sz="3000" dirty="0" smtClean="0">
-                <a:solidFill>
-                  <a:srgbClr val="FFFFFF"/>
-                </a:solidFill>
-                <a:latin typeface="Quicksand" pitchFamily="34" charset="0"/>
-                <a:ea typeface="Quicksand" pitchFamily="34" charset="-122"/>
-                <a:cs typeface="Quicksand" pitchFamily="34" charset="-120"/>
-              </a:rPr>
-              <a:t> </a:t>
-            </a:r>
-            <a:r>
               <a:rPr lang="en-US" sz="3000" dirty="0">
                 <a:solidFill>
                   <a:srgbClr val="FFFFFF"/>
@@ -2562,7 +2720,7 @@
                 <a:ea typeface="Quicksand" pitchFamily="34" charset="-122"/>
                 <a:cs typeface="Quicksand" pitchFamily="34" charset="-120"/>
               </a:rPr>
-              <a:t>tipos de cartas aleatoriamente no tabuleiro.</a:t>
+              <a:t> tipos de cartas aleatoriamente no tabuleiro.</a:t>
             </a:r>
             <a:endParaRPr lang="en-US" sz="3000" dirty="0"/>
           </a:p>
@@ -2593,7 +2751,7 @@
               <a:buNone/>
             </a:pPr>
             <a:r>
-              <a:rPr lang="en-US" sz="3000" dirty="0" smtClean="0">
+              <a:rPr lang="en-US" sz="3000" dirty="0">
                 <a:solidFill>
                   <a:srgbClr val="FFFFFF"/>
                 </a:solidFill>
@@ -2604,7 +2762,7 @@
               <a:t>• </a:t>
             </a:r>
             <a:r>
-              <a:rPr lang="en-US" sz="3000" dirty="0" err="1" smtClean="0">
+              <a:rPr lang="en-US" sz="3000" dirty="0" err="1">
                 <a:solidFill>
                   <a:srgbClr val="FFFFFF"/>
                 </a:solidFill>
@@ -2615,17 +2773,6 @@
               <a:t>Usa</a:t>
             </a:r>
             <a:r>
-              <a:rPr lang="en-US" sz="3000" dirty="0" smtClean="0">
-                <a:solidFill>
-                  <a:srgbClr val="FFFFFF"/>
-                </a:solidFill>
-                <a:latin typeface="Quicksand" pitchFamily="34" charset="0"/>
-                <a:ea typeface="Quicksand" pitchFamily="34" charset="-122"/>
-                <a:cs typeface="Quicksand" pitchFamily="34" charset="-120"/>
-              </a:rPr>
-              <a:t> </a:t>
-            </a:r>
-            <a:r>
               <a:rPr lang="en-US" sz="3000" dirty="0">
                 <a:solidFill>
                   <a:srgbClr val="FFFFFF"/>
@@ -2634,7 +2781,7 @@
                 <a:ea typeface="Quicksand" pitchFamily="34" charset="-122"/>
                 <a:cs typeface="Quicksand" pitchFamily="34" charset="-120"/>
               </a:rPr>
-              <a:t>algoritmo Fisher-Yates para sorteio justo.</a:t>
+              <a:t> algoritmo Fisher-Yates para sorteio justo.</a:t>
             </a:r>
             <a:endParaRPr lang="en-US" sz="3000" dirty="0"/>
           </a:p>
@@ -2665,7 +2812,7 @@
               <a:buNone/>
             </a:pPr>
             <a:r>
-              <a:rPr lang="en-US" sz="3000" dirty="0" smtClean="0">
+              <a:rPr lang="en-US" sz="3000" dirty="0">
                 <a:solidFill>
                   <a:srgbClr val="FFFFFF"/>
                 </a:solidFill>
@@ -2676,7 +2823,7 @@
               <a:t>• </a:t>
             </a:r>
             <a:r>
-              <a:rPr lang="en-US" sz="3000" dirty="0" err="1" smtClean="0">
+              <a:rPr lang="en-US" sz="3000" dirty="0" err="1">
                 <a:solidFill>
                   <a:srgbClr val="FFFFFF"/>
                 </a:solidFill>
@@ -2687,17 +2834,6 @@
               <a:t>Inicializa</a:t>
             </a:r>
             <a:r>
-              <a:rPr lang="en-US" sz="3000" dirty="0" smtClean="0">
-                <a:solidFill>
-                  <a:srgbClr val="FFFFFF"/>
-                </a:solidFill>
-                <a:latin typeface="Quicksand" pitchFamily="34" charset="0"/>
-                <a:ea typeface="Quicksand" pitchFamily="34" charset="-122"/>
-                <a:cs typeface="Quicksand" pitchFamily="34" charset="-120"/>
-              </a:rPr>
-              <a:t> </a:t>
-            </a:r>
-            <a:r>
               <a:rPr lang="en-US" sz="3000" dirty="0">
                 <a:solidFill>
                   <a:srgbClr val="FFFFFF"/>
@@ -2706,7 +2842,7 @@
                 <a:ea typeface="Quicksand" pitchFamily="34" charset="-122"/>
                 <a:cs typeface="Quicksand" pitchFamily="34" charset="-120"/>
               </a:rPr>
-              <a:t>cartas: viradas para baixo e não encontradas.</a:t>
+              <a:t> cartas: viradas para baixo e não encontradas.</a:t>
             </a:r>
             <a:endParaRPr lang="en-US" sz="3000" dirty="0"/>
           </a:p>
@@ -2737,17 +2873,6 @@
               <a:buNone/>
             </a:pPr>
             <a:r>
-              <a:rPr lang="en-US" sz="3000" dirty="0" smtClean="0">
-                <a:solidFill>
-                  <a:srgbClr val="FFFFFF"/>
-                </a:solidFill>
-                <a:latin typeface="Quicksand" pitchFamily="34" charset="0"/>
-                <a:ea typeface="Quicksand" pitchFamily="34" charset="-122"/>
-                <a:cs typeface="Quicksand" pitchFamily="34" charset="-120"/>
-              </a:rPr>
-              <a:t>• Define </a:t>
-            </a:r>
-            <a:r>
               <a:rPr lang="en-US" sz="3000" dirty="0">
                 <a:solidFill>
                   <a:srgbClr val="FFFFFF"/>
@@ -2756,7 +2881,7 @@
                 <a:ea typeface="Quicksand" pitchFamily="34" charset="-122"/>
                 <a:cs typeface="Quicksand" pitchFamily="34" charset="-120"/>
               </a:rPr>
-              <a:t>posições X e Y para cada carta.</a:t>
+              <a:t>• Define posições X e Y para cada carta.</a:t>
             </a:r>
             <a:endParaRPr lang="en-US" sz="3000" dirty="0"/>
           </a:p>
@@ -2964,7 +3089,7 @@
               <a:t> </a:t>
             </a:r>
             <a:r>
-              <a:rPr lang="en-US" sz="2850" b="1" dirty="0" err="1" smtClean="0">
+              <a:rPr lang="en-US" sz="2850" b="1" dirty="0" err="1">
                 <a:solidFill>
                   <a:srgbClr val="FFFFFF"/>
                 </a:solidFill>
@@ -2975,7 +3100,7 @@
               <a:t>verificar_clique_carta</a:t>
             </a:r>
             <a:r>
-              <a:rPr lang="en-US" sz="2850" b="1" dirty="0" smtClean="0">
+              <a:rPr lang="en-US" sz="2850" b="1" dirty="0">
                 <a:solidFill>
                   <a:srgbClr val="FFFFFF"/>
                 </a:solidFill>
@@ -3185,7 +3310,7 @@
               <a:t> </a:t>
             </a:r>
             <a:r>
-              <a:rPr lang="en-US" sz="2850" b="1" dirty="0" err="1" smtClean="0">
+              <a:rPr lang="en-US" sz="2850" b="1" dirty="0" err="1">
                 <a:solidFill>
                   <a:srgbClr val="FFFFFF"/>
                 </a:solidFill>
@@ -3196,7 +3321,7 @@
               <a:t>verificar_combinacao</a:t>
             </a:r>
             <a:r>
-              <a:rPr lang="en-US" sz="2850" b="1" dirty="0" smtClean="0">
+              <a:rPr lang="en-US" sz="2850" b="1" dirty="0">
                 <a:solidFill>
                   <a:srgbClr val="FFFFFF"/>
                 </a:solidFill>
@@ -3207,17 +3332,6 @@
               <a:t>()</a:t>
             </a:r>
             <a:r>
-              <a:rPr lang="en-US" sz="2850" dirty="0" smtClean="0">
-                <a:solidFill>
-                  <a:srgbClr val="FFFFFF"/>
-                </a:solidFill>
-                <a:latin typeface="Quicksand" pitchFamily="34" charset="0"/>
-                <a:ea typeface="Quicksand" pitchFamily="34" charset="-122"/>
-                <a:cs typeface="Quicksand" pitchFamily="34" charset="-120"/>
-              </a:rPr>
-              <a:t> </a:t>
-            </a:r>
-            <a:r>
               <a:rPr lang="en-US" sz="2850" dirty="0">
                 <a:solidFill>
                   <a:srgbClr val="FFFFFF"/>
@@ -3226,7 +3340,7 @@
                 <a:ea typeface="Quicksand" pitchFamily="34" charset="-122"/>
                 <a:cs typeface="Quicksand" pitchFamily="34" charset="-120"/>
               </a:rPr>
-              <a:t>é chamada quando duas cartas são viradas. Ela compara os </a:t>
+              <a:t> é chamada quando duas cartas são viradas. Ela compara os </a:t>
             </a:r>
             <a:r>
               <a:rPr lang="en-US" sz="2850" dirty="0" err="1">
@@ -3248,21 +3362,10 @@
                 <a:ea typeface="Quicksand" pitchFamily="34" charset="-122"/>
                 <a:cs typeface="Quicksand" pitchFamily="34" charset="-120"/>
               </a:rPr>
-              <a:t> </a:t>
-            </a:r>
-            <a:r>
-              <a:rPr lang="en-US" sz="2850" dirty="0" smtClean="0">
-                <a:solidFill>
-                  <a:srgbClr val="FFFFFF"/>
-                </a:solidFill>
-                <a:latin typeface="Quicksand" pitchFamily="34" charset="0"/>
-                <a:ea typeface="Quicksand" pitchFamily="34" charset="-122"/>
-                <a:cs typeface="Quicksand" pitchFamily="34" charset="-120"/>
-              </a:rPr>
-              <a:t>(</a:t>
-            </a:r>
-            <a:r>
-              <a:rPr lang="en-US" sz="2850" dirty="0" err="1" smtClean="0">
+              <a:t> (</a:t>
+            </a:r>
+            <a:r>
+              <a:rPr lang="en-US" sz="2850" dirty="0" err="1">
                 <a:solidFill>
                   <a:srgbClr val="FFFFFF"/>
                 </a:solidFill>
@@ -3273,17 +3376,6 @@
               <a:t>id_tipos</a:t>
             </a:r>
             <a:r>
-              <a:rPr lang="en-US" sz="2850" dirty="0" smtClean="0">
-                <a:solidFill>
-                  <a:srgbClr val="FFFFFF"/>
-                </a:solidFill>
-                <a:latin typeface="Quicksand" pitchFamily="34" charset="0"/>
-                <a:ea typeface="Quicksand" pitchFamily="34" charset="-122"/>
-                <a:cs typeface="Quicksand" pitchFamily="34" charset="-120"/>
-              </a:rPr>
-              <a:t>) </a:t>
-            </a:r>
-            <a:r>
               <a:rPr lang="en-US" sz="2850" dirty="0">
                 <a:solidFill>
                   <a:srgbClr val="FFFFFF"/>
@@ -3292,7 +3384,7 @@
                 <a:ea typeface="Quicksand" pitchFamily="34" charset="-122"/>
                 <a:cs typeface="Quicksand" pitchFamily="34" charset="-120"/>
               </a:rPr>
-              <a:t>das duas cartas para determinar se formam um par. Se os tipos são iguais, as cartas são marcadas como encontradas; caso contrário, o jogo entra em um estado de espera.</a:t>
+              <a:t>) das duas cartas para determinar se formam um par. Se os tipos são iguais, as cartas são marcadas como encontradas; caso contrário, o jogo entra em um estado de espera.</a:t>
             </a:r>
             <a:endParaRPr lang="en-US" sz="2850" dirty="0"/>
           </a:p>
@@ -3356,7 +3448,7 @@
               <a:t> </a:t>
             </a:r>
             <a:r>
-              <a:rPr lang="en-US" sz="2850" b="1" dirty="0" err="1" smtClean="0">
+              <a:rPr lang="en-US" sz="2850" b="1" dirty="0" err="1">
                 <a:solidFill>
                   <a:srgbClr val="FFFFFF"/>
                 </a:solidFill>
@@ -3367,7 +3459,7 @@
               <a:t>processar_espera</a:t>
             </a:r>
             <a:r>
-              <a:rPr lang="en-US" sz="2850" b="1" dirty="0" smtClean="0">
+              <a:rPr lang="en-US" sz="2850" b="1" dirty="0">
                 <a:solidFill>
                   <a:srgbClr val="FFFFFF"/>
                 </a:solidFill>
@@ -3389,7 +3481,7 @@
               <a:t>lida com o tempo que as cartas erradas ficam visíveis. Após o </a:t>
             </a:r>
             <a:r>
-              <a:rPr lang="en-US" sz="2850" b="1" dirty="0" smtClean="0">
+              <a:rPr lang="en-US" sz="2850" b="1" dirty="0">
                 <a:solidFill>
                   <a:srgbClr val="FFFFFF"/>
                 </a:solidFill>
@@ -3400,17 +3492,6 @@
               <a:t>TEMPO_ESPERA</a:t>
             </a:r>
             <a:r>
-              <a:rPr lang="en-US" sz="2850" dirty="0" smtClean="0">
-                <a:solidFill>
-                  <a:srgbClr val="FFFFFF"/>
-                </a:solidFill>
-                <a:latin typeface="Quicksand" pitchFamily="34" charset="0"/>
-                <a:ea typeface="Quicksand" pitchFamily="34" charset="-122"/>
-                <a:cs typeface="Quicksand" pitchFamily="34" charset="-120"/>
-              </a:rPr>
-              <a:t> </a:t>
-            </a:r>
-            <a:r>
               <a:rPr lang="en-US" sz="2850" dirty="0">
                 <a:solidFill>
                   <a:srgbClr val="FFFFFF"/>
@@ -3419,10 +3500,10 @@
                 <a:ea typeface="Quicksand" pitchFamily="34" charset="-122"/>
                 <a:cs typeface="Quicksand" pitchFamily="34" charset="-120"/>
               </a:rPr>
-              <a:t>definido, ela desvira as cartas e decrementa o contador de </a:t>
-            </a:r>
-            <a:r>
-              <a:rPr lang="en-US" sz="2850" dirty="0" err="1" smtClean="0">
+              <a:t> definido, ela desvira as cartas e decrementa o contador de </a:t>
+            </a:r>
+            <a:r>
+              <a:rPr lang="en-US" sz="2850" dirty="0" err="1">
                 <a:solidFill>
                   <a:srgbClr val="FFFFFF"/>
                 </a:solidFill>
@@ -3433,17 +3514,6 @@
               <a:t>tentativas</a:t>
             </a:r>
             <a:r>
-              <a:rPr lang="en-US" sz="2850" dirty="0" smtClean="0">
-                <a:solidFill>
-                  <a:srgbClr val="FFFFFF"/>
-                </a:solidFill>
-                <a:latin typeface="Quicksand" pitchFamily="34" charset="0"/>
-                <a:ea typeface="Quicksand" pitchFamily="34" charset="-122"/>
-                <a:cs typeface="Quicksand" pitchFamily="34" charset="-120"/>
-              </a:rPr>
-              <a:t>. </a:t>
-            </a:r>
-            <a:r>
               <a:rPr lang="en-US" sz="2850" dirty="0">
                 <a:solidFill>
                   <a:srgbClr val="FFFFFF"/>
@@ -3452,7 +3522,7 @@
                 <a:ea typeface="Quicksand" pitchFamily="34" charset="-122"/>
                 <a:cs typeface="Quicksand" pitchFamily="34" charset="-120"/>
               </a:rPr>
-              <a:t>Se as tentativas chegam a zero, o tabuleiro é reiniciado, e um som de erro é reproduzido, indicando o fim da rodada atual de tentativas.</a:t>
+              <a:t>. Se as tentativas chegam a zero, o tabuleiro é reiniciado, e um som de erro é reproduzido, indicando o fim da rodada atual de tentativas.</a:t>
             </a:r>
             <a:endParaRPr lang="en-US" sz="2850" dirty="0"/>
           </a:p>
@@ -3630,7 +3700,7 @@
               <a:t> </a:t>
             </a:r>
             <a:r>
-              <a:rPr lang="en-US" sz="3000" b="1" dirty="0" err="1" smtClean="0">
+              <a:rPr lang="en-US" sz="3000" b="1" dirty="0" err="1">
                 <a:solidFill>
                   <a:srgbClr val="FFFFFF"/>
                 </a:solidFill>
@@ -3641,7 +3711,7 @@
               <a:t>desenhar_carta</a:t>
             </a:r>
             <a:r>
-              <a:rPr lang="en-US" sz="3000" b="1" dirty="0" smtClean="0">
+              <a:rPr lang="en-US" sz="3000" b="1" dirty="0">
                 <a:solidFill>
                   <a:srgbClr val="FFFFFF"/>
                 </a:solidFill>
@@ -3652,17 +3722,6 @@
               <a:t>()</a:t>
             </a:r>
             <a:r>
-              <a:rPr lang="en-US" sz="3000" dirty="0" smtClean="0">
-                <a:solidFill>
-                  <a:srgbClr val="FFFFFF"/>
-                </a:solidFill>
-                <a:latin typeface="Quicksand" pitchFamily="34" charset="0"/>
-                <a:ea typeface="Quicksand" pitchFamily="34" charset="-122"/>
-                <a:cs typeface="Quicksand" pitchFamily="34" charset="-120"/>
-              </a:rPr>
-              <a:t> </a:t>
-            </a:r>
-            <a:r>
               <a:rPr lang="en-US" sz="3000" dirty="0">
                 <a:solidFill>
                   <a:srgbClr val="FFFFFF"/>
@@ -3671,10 +3730,10 @@
                 <a:ea typeface="Quicksand" pitchFamily="34" charset="-122"/>
                 <a:cs typeface="Quicksand" pitchFamily="34" charset="-120"/>
               </a:rPr>
-              <a:t>exibe cada carta, mostrando sua frente se virada ou encontrada, ou seu verso com base no seu estado. Já a </a:t>
-            </a:r>
-            <a:r>
-              <a:rPr lang="en-US" sz="3000" b="1" dirty="0" err="1" smtClean="0">
+              <a:t> exibe cada carta, mostrando sua frente se virada ou encontrada, ou seu verso com base no seu estado. Já a </a:t>
+            </a:r>
+            <a:r>
+              <a:rPr lang="en-US" sz="3000" b="1" dirty="0" err="1">
                 <a:solidFill>
                   <a:srgbClr val="FFFFFF"/>
                 </a:solidFill>
@@ -3685,7 +3744,7 @@
               <a:t>desenhar_interface</a:t>
             </a:r>
             <a:r>
-              <a:rPr lang="en-US" sz="3000" b="1" dirty="0" smtClean="0">
+              <a:rPr lang="en-US" sz="3000" b="1" dirty="0">
                 <a:solidFill>
                   <a:srgbClr val="FFFFFF"/>
                 </a:solidFill>
@@ -3696,17 +3755,6 @@
               <a:t>()</a:t>
             </a:r>
             <a:r>
-              <a:rPr lang="en-US" sz="3000" dirty="0" smtClean="0">
-                <a:solidFill>
-                  <a:srgbClr val="FFFFFF"/>
-                </a:solidFill>
-                <a:latin typeface="Quicksand" pitchFamily="34" charset="0"/>
-                <a:ea typeface="Quicksand" pitchFamily="34" charset="-122"/>
-                <a:cs typeface="Quicksand" pitchFamily="34" charset="-120"/>
-              </a:rPr>
-              <a:t> </a:t>
-            </a:r>
-            <a:r>
               <a:rPr lang="en-US" sz="3000" dirty="0">
                 <a:solidFill>
                   <a:srgbClr val="FFFFFF"/>
@@ -3715,7 +3763,7 @@
                 <a:ea typeface="Quicksand" pitchFamily="34" charset="-122"/>
                 <a:cs typeface="Quicksand" pitchFamily="34" charset="-120"/>
               </a:rPr>
-              <a:t>apresenta o placar do jogo, incluindo tentativas restantes, erros e vitórias, além de mensagens importantes ao jogador.</a:t>
+              <a:t> apresenta o placar do jogo, incluindo tentativas restantes, erros e vitórias, além de mensagens importantes ao jogador.</a:t>
             </a:r>
             <a:endParaRPr lang="en-US" sz="3000" dirty="0"/>
           </a:p>
@@ -4677,21 +4725,10 @@
                 <a:ea typeface="Quicksand" pitchFamily="34" charset="-122"/>
                 <a:cs typeface="Quicksand" pitchFamily="34" charset="-120"/>
               </a:rPr>
-              <a:t> </a:t>
-            </a:r>
-            <a:r>
-              <a:rPr lang="en-US" sz="2850" dirty="0" smtClean="0">
-                <a:solidFill>
-                  <a:srgbClr val="FFFFFF"/>
-                </a:solidFill>
-                <a:latin typeface="Quicksand" pitchFamily="34" charset="0"/>
-                <a:ea typeface="Quicksand" pitchFamily="34" charset="-122"/>
-                <a:cs typeface="Quicksand" pitchFamily="34" charset="-120"/>
-              </a:rPr>
-              <a:t>a </a:t>
-            </a:r>
-            <a:r>
-              <a:rPr lang="en-US" sz="2850" dirty="0" err="1" smtClean="0">
+              <a:t> a </a:t>
+            </a:r>
+            <a:r>
+              <a:rPr lang="en-US" sz="2850" dirty="0" err="1">
                 <a:solidFill>
                   <a:srgbClr val="FFFFFF"/>
                 </a:solidFill>
@@ -4702,17 +4739,6 @@
               <a:t>lógica</a:t>
             </a:r>
             <a:r>
-              <a:rPr lang="en-US" sz="2850" dirty="0" smtClean="0">
-                <a:solidFill>
-                  <a:srgbClr val="FFFFFF"/>
-                </a:solidFill>
-                <a:latin typeface="Quicksand" pitchFamily="34" charset="0"/>
-                <a:ea typeface="Quicksand" pitchFamily="34" charset="-122"/>
-                <a:cs typeface="Quicksand" pitchFamily="34" charset="-120"/>
-              </a:rPr>
-              <a:t> </a:t>
-            </a:r>
-            <a:r>
               <a:rPr lang="en-US" sz="2850" dirty="0">
                 <a:solidFill>
                   <a:srgbClr val="FFFFFF"/>
@@ -4721,7 +4747,7 @@
                 <a:ea typeface="Quicksand" pitchFamily="34" charset="-122"/>
                 <a:cs typeface="Quicksand" pitchFamily="34" charset="-120"/>
               </a:rPr>
-              <a:t>de programação e interface gráfica, utilizando elementos do universo Super Mario Bros 3.</a:t>
+              <a:t> de programação e interface gráfica, utilizando elementos do universo Super Mario Bros 3.</a:t>
             </a:r>
             <a:endParaRPr lang="en-US" sz="2850" dirty="0"/>
           </a:p>
@@ -5869,7 +5895,7 @@
               <a:t> </a:t>
             </a:r>
             <a:r>
-              <a:rPr lang="en-US" sz="6150" b="1" dirty="0" err="1" smtClean="0">
+              <a:rPr lang="en-US" sz="6150" b="1" dirty="0" err="1">
                 <a:solidFill>
                   <a:srgbClr val="FFEAAB"/>
                 </a:solidFill>
@@ -5880,7 +5906,7 @@
               <a:t>Visuais</a:t>
             </a:r>
             <a:r>
-              <a:rPr lang="en-US" sz="6150" b="1" dirty="0" smtClean="0">
+              <a:rPr lang="en-US" sz="6150" b="1" dirty="0">
                 <a:solidFill>
                   <a:srgbClr val="FFEAAB"/>
                 </a:solidFill>
@@ -5888,18 +5914,7 @@
                 <a:ea typeface="Quicksand" pitchFamily="34" charset="-122"/>
                 <a:cs typeface="Quicksand" pitchFamily="34" charset="-120"/>
               </a:rPr>
-              <a:t> </a:t>
-            </a:r>
-            <a:r>
-              <a:rPr lang="en-US" sz="6150" b="1" dirty="0">
-                <a:solidFill>
-                  <a:srgbClr val="FFEAAB"/>
-                </a:solidFill>
-                <a:latin typeface="Quicksand" pitchFamily="34" charset="0"/>
-                <a:ea typeface="Quicksand" pitchFamily="34" charset="-122"/>
-                <a:cs typeface="Quicksand" pitchFamily="34" charset="-120"/>
-              </a:rPr>
-              <a:t>e Sonoros</a:t>
+              <a:t> e Sonoros</a:t>
             </a:r>
             <a:endParaRPr lang="en-US" sz="6150" dirty="0"/>
           </a:p>
